--- a/REKURSIF.pptx
+++ b/REKURSIF.pptx
@@ -9,9 +9,8 @@
     <p:sldId id="257" r:id="rId4"/>
     <p:sldId id="258" r:id="rId5"/>
     <p:sldId id="259" r:id="rId6"/>
-    <p:sldId id="260" r:id="rId7"/>
-    <p:sldId id="261" r:id="rId8"/>
-    <p:sldId id="262" r:id="rId9"/>
+    <p:sldId id="261" r:id="rId7"/>
+    <p:sldId id="262" r:id="rId8"/>
   </p:sldIdLst>
   <p:sldSz cx="12192000" cy="6858000"/>
   <p:notesSz cx="6858000" cy="9144000"/>
@@ -3308,7 +3307,7 @@
               <a:rPr lang="x-none" altLang="en-US" b="1">
                 <a:latin typeface="+mj-ea"/>
               </a:rPr>
-              <a:t>Contoh Penggunaan</a:t>
+              <a:t>Demo</a:t>
             </a:r>
             <a:endParaRPr lang="x-none" altLang="en-US" b="1">
               <a:latin typeface="+mj-ea"/>
@@ -3330,48 +3329,7 @@
         <p:txBody>
           <a:bodyPr/>
           <a:p>
-            <a:r>
-              <a:rPr lang="x-none" altLang="en-US">
-                <a:latin typeface="+mn-ea"/>
-              </a:rPr>
-              <a:t>Fibonacci</a:t>
-            </a:r>
-            <a:endParaRPr lang="x-none" altLang="en-US">
-              <a:latin typeface="+mn-ea"/>
-            </a:endParaRPr>
-          </a:p>
-          <a:p>
-            <a:r>
-              <a:rPr lang="x-none" altLang="en-US">
-                <a:latin typeface="+mn-ea"/>
-              </a:rPr>
-              <a:t>Faktorial</a:t>
-            </a:r>
-            <a:endParaRPr lang="x-none" altLang="en-US">
-              <a:latin typeface="+mn-ea"/>
-            </a:endParaRPr>
-          </a:p>
-          <a:p>
-            <a:r>
-              <a:rPr lang="x-none" altLang="en-US">
-                <a:latin typeface="+mn-ea"/>
-              </a:rPr>
-              <a:t>Deret</a:t>
-            </a:r>
-            <a:endParaRPr lang="x-none" altLang="en-US">
-              <a:latin typeface="+mn-ea"/>
-            </a:endParaRPr>
-          </a:p>
-          <a:p>
-            <a:r>
-              <a:rPr lang="x-none" altLang="en-US">
-                <a:latin typeface="+mn-ea"/>
-              </a:rPr>
-              <a:t>dll</a:t>
-            </a:r>
-            <a:endParaRPr lang="x-none" altLang="en-US">
-              <a:latin typeface="+mn-ea"/>
-            </a:endParaRPr>
+            <a:endParaRPr lang="en-US"/>
           </a:p>
         </p:txBody>
       </p:sp>
@@ -3411,7 +3369,7 @@
               <a:rPr lang="x-none" altLang="en-US" b="1">
                 <a:latin typeface="+mj-ea"/>
               </a:rPr>
-              <a:t>Demo</a:t>
+              <a:t>TUGAS!!!</a:t>
             </a:r>
             <a:endParaRPr lang="x-none" altLang="en-US" b="1">
               <a:latin typeface="+mj-ea"/>
@@ -3431,71 +3389,118 @@
         </p:nvSpPr>
         <p:spPr/>
         <p:txBody>
-          <a:bodyPr/>
-          <a:p>
-            <a:endParaRPr lang="en-US"/>
-          </a:p>
-        </p:txBody>
-      </p:sp>
-    </p:spTree>
-  </p:cSld>
-  <p:clrMapOvr>
-    <a:masterClrMapping/>
-  </p:clrMapOvr>
-</p:sld>
-</file>
-
-<file path=ppt/slides/slide7.xml><?xml version="1.0" encoding="utf-8"?>
-<p:sld xmlns:a="http://schemas.openxmlformats.org/drawingml/2006/main" xmlns:r="http://schemas.openxmlformats.org/officeDocument/2006/relationships" xmlns:p="http://schemas.openxmlformats.org/presentationml/2006/main">
-  <p:cSld>
-    <p:spTree>
-      <p:nvGrpSpPr>
-        <p:cNvPr id="1" name=""/>
-        <p:cNvGrpSpPr/>
-        <p:nvPr/>
-      </p:nvGrpSpPr>
-      <p:grpSpPr/>
-      <p:sp>
-        <p:nvSpPr>
-          <p:cNvPr id="2" name="Title 1"/>
-          <p:cNvSpPr>
-            <a:spLocks noGrp="1"/>
-          </p:cNvSpPr>
-          <p:nvPr>
-            <p:ph type="title"/>
-          </p:nvPr>
-        </p:nvSpPr>
-        <p:spPr/>
-        <p:txBody>
-          <a:bodyPr/>
-          <a:p>
-            <a:r>
-              <a:rPr lang="x-none" altLang="en-US" b="1">
-                <a:latin typeface="+mj-ea"/>
+          <a:bodyPr>
+            <a:normAutofit lnSpcReduction="20000"/>
+          </a:bodyPr>
+          <a:p>
+            <a:pPr marL="0" indent="0">
+              <a:buNone/>
+            </a:pPr>
+            <a:r>
+              <a:rPr lang="x-none" altLang="en-US">
+                <a:latin typeface="+mn-ea"/>
               </a:rPr>
-              <a:t>Tugas</a:t>
-            </a:r>
-            <a:endParaRPr lang="x-none" altLang="en-US" b="1">
-              <a:latin typeface="+mj-ea"/>
+              <a:t>SYARAT</a:t>
+            </a:r>
+            <a:endParaRPr lang="x-none" altLang="en-US">
+              <a:latin typeface="+mn-ea"/>
             </a:endParaRPr>
           </a:p>
-        </p:txBody>
-      </p:sp>
-      <p:sp>
-        <p:nvSpPr>
-          <p:cNvPr id="3" name="Content Placeholder 2"/>
-          <p:cNvSpPr>
-            <a:spLocks noGrp="1"/>
-          </p:cNvSpPr>
-          <p:nvPr>
-            <p:ph idx="1"/>
-          </p:nvPr>
-        </p:nvSpPr>
-        <p:spPr/>
-        <p:txBody>
-          <a:bodyPr/>
-          <a:p>
-            <a:endParaRPr lang="en-US"/>
+          <a:p>
+            <a:r>
+              <a:rPr lang="x-none" altLang="en-US">
+                <a:latin typeface="+mn-ea"/>
+              </a:rPr>
+              <a:t>Harus input dari keyboard</a:t>
+            </a:r>
+            <a:endParaRPr lang="x-none" altLang="en-US">
+              <a:latin typeface="+mn-ea"/>
+            </a:endParaRPr>
+          </a:p>
+          <a:p>
+            <a:r>
+              <a:rPr lang="x-none" altLang="en-US">
+                <a:latin typeface="+mn-ea"/>
+              </a:rPr>
+              <a:t>Proses harus terlihat</a:t>
+            </a:r>
+            <a:endParaRPr lang="x-none" altLang="en-US">
+              <a:latin typeface="+mn-ea"/>
+            </a:endParaRPr>
+          </a:p>
+          <a:p>
+            <a:r>
+              <a:rPr lang="x-none" altLang="en-US">
+                <a:latin typeface="+mn-ea"/>
+              </a:rPr>
+              <a:t>Ada penjelasan algoritmanya(Boleh pakai comment, buat dokumen lain, dll)</a:t>
+            </a:r>
+            <a:endParaRPr lang="x-none" altLang="en-US">
+              <a:latin typeface="+mn-ea"/>
+            </a:endParaRPr>
+          </a:p>
+          <a:p>
+            <a:pPr marL="0" indent="0">
+              <a:buNone/>
+            </a:pPr>
+            <a:r>
+              <a:rPr lang="x-none" altLang="en-US">
+                <a:latin typeface="+mn-ea"/>
+              </a:rPr>
+              <a:t>SOAL</a:t>
+            </a:r>
+            <a:endParaRPr lang="x-none" altLang="en-US">
+              <a:latin typeface="+mn-ea"/>
+            </a:endParaRPr>
+          </a:p>
+          <a:p>
+            <a:r>
+              <a:rPr lang="x-none" altLang="en-US">
+                <a:latin typeface="+mn-ea"/>
+              </a:rPr>
+              <a:t>Faktorial -&gt; Kombinasi / Permutasi</a:t>
+            </a:r>
+            <a:endParaRPr lang="x-none" altLang="en-US">
+              <a:latin typeface="+mn-ea"/>
+            </a:endParaRPr>
+          </a:p>
+          <a:p>
+            <a:r>
+              <a:rPr lang="x-none" altLang="en-US">
+                <a:latin typeface="+mn-ea"/>
+              </a:rPr>
+              <a:t>Deret bilangan ganjil / genap</a:t>
+            </a:r>
+            <a:endParaRPr lang="x-none" altLang="en-US">
+              <a:latin typeface="+mn-ea"/>
+            </a:endParaRPr>
+          </a:p>
+          <a:p>
+            <a:r>
+              <a:rPr lang="x-none" altLang="en-US">
+                <a:latin typeface="+mn-ea"/>
+              </a:rPr>
+              <a:t>Jumlah deret bilangan ganjil / genap</a:t>
+            </a:r>
+            <a:endParaRPr lang="x-none" altLang="en-US">
+              <a:latin typeface="+mn-ea"/>
+            </a:endParaRPr>
+          </a:p>
+          <a:p>
+            <a:r>
+              <a:rPr lang="x-none" altLang="en-US">
+                <a:latin typeface="+mn-ea"/>
+              </a:rPr>
+              <a:t>Hanoi(Bonus)</a:t>
+            </a:r>
+            <a:endParaRPr lang="x-none" altLang="en-US">
+              <a:latin typeface="+mn-ea"/>
+            </a:endParaRPr>
+          </a:p>
+          <a:p>
+            <a:endParaRPr lang="x-none" altLang="en-US">
+              <a:latin typeface="+mn-ea"/>
+            </a:endParaRPr>
           </a:p>
         </p:txBody>
       </p:sp>
